--- a/database/8강 SQL Join.pptx
+++ b/database/8강 SQL Join.pptx
@@ -355,7 +355,7 @@
                 </a:solidFill>
               </a:rPr>
               <a:pPr/>
-              <a:t>2022-06-05</a:t>
+              <a:t>2022-06-08</a:t>
             </a:fld>
             <a:endParaRPr lang="ko-KR" altLang="en-US">
               <a:solidFill>
@@ -585,7 +585,7 @@
                 </a:solidFill>
               </a:rPr>
               <a:pPr/>
-              <a:t>2022-06-05</a:t>
+              <a:t>2022-06-08</a:t>
             </a:fld>
             <a:endParaRPr lang="ko-KR" altLang="en-US">
               <a:solidFill>
@@ -825,7 +825,7 @@
                 </a:solidFill>
               </a:rPr>
               <a:pPr/>
-              <a:t>2022-06-05</a:t>
+              <a:t>2022-06-08</a:t>
             </a:fld>
             <a:endParaRPr lang="ko-KR" altLang="en-US">
               <a:solidFill>
@@ -1057,7 +1057,7 @@
                 <a:latin typeface="맑은 고딕" charset="0"/>
                 <a:ea typeface="맑은 고딕" charset="0"/>
               </a:rPr>
-              <a:t>2022-06-05</a:t>
+              <a:t>2022-06-08</a:t>
             </a:fld>
             <a:endParaRPr lang="ko-KR" altLang="en-US">
               <a:solidFill>
@@ -1336,7 +1336,7 @@
                 <a:latin typeface="맑은 고딕" charset="0"/>
                 <a:ea typeface="맑은 고딕" charset="0"/>
               </a:rPr>
-              <a:t>2022-06-05</a:t>
+              <a:t>2022-06-08</a:t>
             </a:fld>
             <a:endParaRPr lang="ko-KR" altLang="en-US">
               <a:solidFill>
@@ -1578,7 +1578,7 @@
                 <a:latin typeface="맑은 고딕" charset="0"/>
                 <a:ea typeface="맑은 고딕" charset="0"/>
               </a:rPr>
-              <a:t>2022-06-05</a:t>
+              <a:t>2022-06-08</a:t>
             </a:fld>
             <a:endParaRPr lang="ko-KR" altLang="en-US">
               <a:solidFill>
@@ -1933,7 +1933,7 @@
                 <a:latin typeface="맑은 고딕" charset="0"/>
                 <a:ea typeface="맑은 고딕" charset="0"/>
               </a:rPr>
-              <a:t>2022-06-05</a:t>
+              <a:t>2022-06-08</a:t>
             </a:fld>
             <a:endParaRPr lang="ko-KR" altLang="en-US">
               <a:solidFill>
@@ -2366,7 +2366,7 @@
                 <a:latin typeface="맑은 고딕" charset="0"/>
                 <a:ea typeface="맑은 고딕" charset="0"/>
               </a:rPr>
-              <a:t>2022-06-05</a:t>
+              <a:t>2022-06-08</a:t>
             </a:fld>
             <a:endParaRPr lang="ko-KR" altLang="en-US">
               <a:solidFill>
@@ -2569,7 +2569,7 @@
                 <a:latin typeface="맑은 고딕" charset="0"/>
                 <a:ea typeface="맑은 고딕" charset="0"/>
               </a:rPr>
-              <a:t>2022-06-05</a:t>
+              <a:t>2022-06-08</a:t>
             </a:fld>
             <a:endParaRPr lang="ko-KR" altLang="en-US">
               <a:solidFill>
@@ -2733,7 +2733,7 @@
                 <a:latin typeface="맑은 고딕" charset="0"/>
                 <a:ea typeface="맑은 고딕" charset="0"/>
               </a:rPr>
-              <a:t>2022-06-05</a:t>
+              <a:t>2022-06-08</a:t>
             </a:fld>
             <a:endParaRPr lang="ko-KR" altLang="en-US">
               <a:solidFill>
@@ -3051,7 +3051,7 @@
                 <a:latin typeface="맑은 고딕" charset="0"/>
                 <a:ea typeface="맑은 고딕" charset="0"/>
               </a:rPr>
-              <a:t>2022-06-05</a:t>
+              <a:t>2022-06-08</a:t>
             </a:fld>
             <a:endParaRPr lang="ko-KR" altLang="en-US">
               <a:solidFill>
@@ -3291,7 +3291,7 @@
                 </a:solidFill>
               </a:rPr>
               <a:pPr/>
-              <a:t>2022-06-05</a:t>
+              <a:t>2022-06-08</a:t>
             </a:fld>
             <a:endParaRPr lang="ko-KR" altLang="en-US">
               <a:solidFill>
@@ -3543,7 +3543,7 @@
                 <a:latin typeface="맑은 고딕" charset="0"/>
                 <a:ea typeface="맑은 고딕" charset="0"/>
               </a:rPr>
-              <a:t>2022-06-05</a:t>
+              <a:t>2022-06-08</a:t>
             </a:fld>
             <a:endParaRPr lang="ko-KR" altLang="en-US">
               <a:solidFill>
@@ -3822,7 +3822,7 @@
                 <a:latin typeface="맑은 고딕" charset="0"/>
                 <a:ea typeface="맑은 고딕" charset="0"/>
               </a:rPr>
-              <a:t>2022-06-05</a:t>
+              <a:t>2022-06-08</a:t>
             </a:fld>
             <a:endParaRPr lang="ko-KR" altLang="en-US">
               <a:solidFill>
@@ -4101,7 +4101,7 @@
                 <a:latin typeface="맑은 고딕" charset="0"/>
                 <a:ea typeface="맑은 고딕" charset="0"/>
               </a:rPr>
-              <a:t>2022-06-05</a:t>
+              <a:t>2022-06-08</a:t>
             </a:fld>
             <a:endParaRPr lang="ko-KR" altLang="en-US">
               <a:solidFill>
@@ -4418,7 +4418,7 @@
                 </a:solidFill>
               </a:rPr>
               <a:pPr/>
-              <a:t>2022-06-05</a:t>
+              <a:t>2022-06-08</a:t>
             </a:fld>
             <a:endParaRPr lang="ko-KR" altLang="en-US">
               <a:solidFill>
@@ -4715,7 +4715,7 @@
                 </a:solidFill>
               </a:rPr>
               <a:pPr/>
-              <a:t>2022-06-05</a:t>
+              <a:t>2022-06-08</a:t>
             </a:fld>
             <a:endParaRPr lang="ko-KR" altLang="en-US">
               <a:solidFill>
@@ -5159,7 +5159,7 @@
                 </a:solidFill>
               </a:rPr>
               <a:pPr/>
-              <a:t>2022-06-05</a:t>
+              <a:t>2022-06-08</a:t>
             </a:fld>
             <a:endParaRPr lang="ko-KR" altLang="en-US">
               <a:solidFill>
@@ -5332,7 +5332,7 @@
                 </a:solidFill>
               </a:rPr>
               <a:pPr/>
-              <a:t>2022-06-05</a:t>
+              <a:t>2022-06-08</a:t>
             </a:fld>
             <a:endParaRPr lang="ko-KR" altLang="en-US">
               <a:solidFill>
@@ -5477,7 +5477,7 @@
                 </a:solidFill>
               </a:rPr>
               <a:pPr/>
-              <a:t>2022-06-05</a:t>
+              <a:t>2022-06-08</a:t>
             </a:fld>
             <a:endParaRPr lang="ko-KR" altLang="en-US">
               <a:solidFill>
@@ -6846,7 +6846,7 @@
                 </a:solidFill>
               </a:rPr>
               <a:pPr/>
-              <a:t>2022-06-05</a:t>
+              <a:t>2022-06-08</a:t>
             </a:fld>
             <a:endParaRPr lang="ko-KR" altLang="en-US">
               <a:solidFill>
@@ -7166,7 +7166,7 @@
                 </a:solidFill>
               </a:rPr>
               <a:pPr/>
-              <a:t>2022-06-05</a:t>
+              <a:t>2022-06-08</a:t>
             </a:fld>
             <a:endParaRPr lang="ko-KR" altLang="en-US">
               <a:solidFill>
@@ -7439,7 +7439,7 @@
                 </a:solidFill>
               </a:rPr>
               <a:pPr/>
-              <a:t>2022-06-05</a:t>
+              <a:t>2022-06-08</a:t>
             </a:fld>
             <a:endParaRPr lang="ko-KR" altLang="en-US">
               <a:solidFill>
@@ -8040,7 +8040,7 @@
                 <a:latin typeface="맑은 고딕" charset="0"/>
                 <a:ea typeface="맑은 고딕" charset="0"/>
               </a:rPr>
-              <a:t>2022-06-05</a:t>
+              <a:t>2022-06-08</a:t>
             </a:fld>
             <a:endParaRPr lang="ko-KR" altLang="en-US">
               <a:solidFill>
@@ -13021,9 +13021,37 @@
           </a:p>
         </p:txBody>
       </p:sp>
+      <p:sp>
+        <p:nvSpPr>
+          <p:cNvPr id="5" name="직사각형 4"/>
+          <p:cNvSpPr/>
+          <p:nvPr/>
+        </p:nvSpPr>
+        <p:spPr>
+          <a:xfrm>
+            <a:off x="527341" y="1327852"/>
+            <a:ext cx="1710340" cy="461665"/>
+          </a:xfrm>
+          <a:prstGeom prst="rect">
+            <a:avLst/>
+          </a:prstGeom>
+        </p:spPr>
+        <p:txBody>
+          <a:bodyPr wrap="none">
+            <a:spAutoFit/>
+          </a:bodyPr>
+          <a:lstStyle/>
+          <a:p>
+            <a:r>
+              <a:rPr lang="en-US" altLang="ko-KR" sz="2400" dirty="0"/>
+              <a:t>2. Left Join</a:t>
+            </a:r>
+          </a:p>
+        </p:txBody>
+      </p:sp>
       <p:pic>
         <p:nvPicPr>
-          <p:cNvPr id="4" name="그림 3"/>
+          <p:cNvPr id="2" name="그림 1"/>
           <p:cNvPicPr>
             <a:picLocks noChangeAspect="1"/>
           </p:cNvPicPr>
@@ -13037,42 +13065,14 @@
         </p:blipFill>
         <p:spPr>
           <a:xfrm>
-            <a:off x="3960229" y="543376"/>
-            <a:ext cx="6801799" cy="6058746"/>
+            <a:off x="4449741" y="143983"/>
+            <a:ext cx="6985513" cy="6316933"/>
           </a:xfrm>
           <a:prstGeom prst="rect">
             <a:avLst/>
           </a:prstGeom>
         </p:spPr>
       </p:pic>
-      <p:sp>
-        <p:nvSpPr>
-          <p:cNvPr id="5" name="직사각형 4"/>
-          <p:cNvSpPr/>
-          <p:nvPr/>
-        </p:nvSpPr>
-        <p:spPr>
-          <a:xfrm>
-            <a:off x="527341" y="1327852"/>
-            <a:ext cx="1710340" cy="461665"/>
-          </a:xfrm>
-          <a:prstGeom prst="rect">
-            <a:avLst/>
-          </a:prstGeom>
-        </p:spPr>
-        <p:txBody>
-          <a:bodyPr wrap="none">
-            <a:spAutoFit/>
-          </a:bodyPr>
-          <a:lstStyle/>
-          <a:p>
-            <a:r>
-              <a:rPr lang="en-US" altLang="ko-KR" sz="2400" dirty="0"/>
-              <a:t>2. Left Join</a:t>
-            </a:r>
-          </a:p>
-        </p:txBody>
-      </p:sp>
     </p:spTree>
     <p:extLst>
       <p:ext uri="{BB962C8B-B14F-4D97-AF65-F5344CB8AC3E}">
@@ -13083,6 +13083,13 @@
   <p:clrMapOvr>
     <a:masterClrMapping/>
   </p:clrMapOvr>
+  <p:timing>
+    <p:tnLst>
+      <p:par>
+        <p:cTn id="1" dur="indefinite" restart="never" nodeType="tmRoot"/>
+      </p:par>
+    </p:tnLst>
+  </p:timing>
 </p:sld>
 </file>
 
@@ -13464,6 +13471,13 @@
   <p:clrMapOvr>
     <a:masterClrMapping/>
   </p:clrMapOvr>
+  <p:timing>
+    <p:tnLst>
+      <p:par>
+        <p:cTn id="1" dur="indefinite" restart="never" nodeType="tmRoot"/>
+      </p:par>
+    </p:tnLst>
+  </p:timing>
 </p:sld>
 </file>
 
@@ -13971,6 +13985,13 @@
   <p:clrMapOvr>
     <a:masterClrMapping/>
   </p:clrMapOvr>
+  <p:timing>
+    <p:tnLst>
+      <p:par>
+        <p:cTn id="1" dur="indefinite" restart="never" nodeType="tmRoot"/>
+      </p:par>
+    </p:tnLst>
+  </p:timing>
 </p:sld>
 </file>
 
@@ -14412,6 +14433,13 @@
   <p:clrMapOvr>
     <a:masterClrMapping/>
   </p:clrMapOvr>
+  <p:timing>
+    <p:tnLst>
+      <p:par>
+        <p:cTn id="1" dur="indefinite" restart="never" nodeType="tmRoot"/>
+      </p:par>
+    </p:tnLst>
+  </p:timing>
 </p:sld>
 </file>
 
@@ -15398,7 +15426,11 @@
             </a:r>
             <a:r>
               <a:rPr lang="ko-KR" altLang="en-US" dirty="0" smtClean="0"/>
-              <a:t>대 이상만 </a:t>
+              <a:t>대 </a:t>
+            </a:r>
+            <a:r>
+              <a:rPr lang="ko-KR" altLang="en-US" dirty="0" smtClean="0"/>
+              <a:t>이상 </a:t>
             </a:r>
             <a:r>
               <a:rPr lang="ko-KR" altLang="en-US" dirty="0" err="1" smtClean="0"/>
@@ -15517,6 +15549,13 @@
   <p:clrMapOvr>
     <a:masterClrMapping/>
   </p:clrMapOvr>
+  <p:timing>
+    <p:tnLst>
+      <p:par>
+        <p:cTn id="1" dur="indefinite" restart="never" nodeType="tmRoot"/>
+      </p:par>
+    </p:tnLst>
+  </p:timing>
 </p:sld>
 </file>
 
@@ -15645,6 +15684,13 @@
   <p:clrMapOvr>
     <a:masterClrMapping/>
   </p:clrMapOvr>
+  <p:timing>
+    <p:tnLst>
+      <p:par>
+        <p:cTn id="1" dur="indefinite" restart="never" nodeType="tmRoot"/>
+      </p:par>
+    </p:tnLst>
+  </p:timing>
 </p:sld>
 </file>
 
@@ -16062,6 +16108,13 @@
   <p:clrMapOvr>
     <a:masterClrMapping/>
   </p:clrMapOvr>
+  <p:timing>
+    <p:tnLst>
+      <p:par>
+        <p:cTn id="1" dur="indefinite" restart="never" nodeType="tmRoot"/>
+      </p:par>
+    </p:tnLst>
+  </p:timing>
 </p:sld>
 </file>
 
@@ -16525,6 +16578,13 @@
   <p:clrMapOvr>
     <a:masterClrMapping/>
   </p:clrMapOvr>
+  <p:timing>
+    <p:tnLst>
+      <p:par>
+        <p:cTn id="1" dur="indefinite" restart="never" nodeType="tmRoot"/>
+      </p:par>
+    </p:tnLst>
+  </p:timing>
 </p:sld>
 </file>
 
